--- a/FinalPresentation4555.pptx
+++ b/FinalPresentation4555.pptx
@@ -277,7 +277,7 @@
               <a:pPr>
                 <a:defRPr/>
               </a:pPr>
-              <a:t>5/10/24</a:t>
+              <a:t>5/18/24</a:t>
             </a:fld>
             <a:endParaRPr lang="en-US"/>
           </a:p>
@@ -723,7 +723,7 @@
           </a:ln>
           <a:extLst>
             <a:ext uri="{909E8E84-426E-40dd-AFC4-6F175D3DCCD1}">
-              <a14:hiddenFill xmlns="" xmlns:a14="http://schemas.microsoft.com/office/drawing/2010/main">
+              <a14:hiddenFill xmlns:a14="http://schemas.microsoft.com/office/drawing/2010/main" xmlns="">
                 <a:solidFill>
                   <a:srgbClr val="FFFFFF"/>
                 </a:solidFill>
@@ -746,14 +746,14 @@
           <a:noFill/>
           <a:extLst>
             <a:ext uri="{909E8E84-426E-40dd-AFC4-6F175D3DCCD1}">
-              <a14:hiddenFill xmlns="" xmlns:a14="http://schemas.microsoft.com/office/drawing/2010/main">
+              <a14:hiddenFill xmlns:a14="http://schemas.microsoft.com/office/drawing/2010/main" xmlns="">
                 <a:solidFill>
                   <a:srgbClr val="FFFFFF"/>
                 </a:solidFill>
               </a14:hiddenFill>
             </a:ext>
             <a:ext uri="{91240B29-F687-4f45-9708-019B960494DF}">
-              <a14:hiddenLine xmlns="" xmlns:a14="http://schemas.microsoft.com/office/drawing/2010/main" w="9525">
+              <a14:hiddenLine xmlns:a14="http://schemas.microsoft.com/office/drawing/2010/main" xmlns="" w="9525">
                 <a:solidFill>
                   <a:srgbClr val="000000"/>
                 </a:solidFill>
@@ -795,14 +795,14 @@
           <a:noFill/>
           <a:extLst>
             <a:ext uri="{909E8E84-426E-40dd-AFC4-6F175D3DCCD1}">
-              <a14:hiddenFill xmlns="" xmlns:a14="http://schemas.microsoft.com/office/drawing/2010/main">
+              <a14:hiddenFill xmlns:a14="http://schemas.microsoft.com/office/drawing/2010/main" xmlns="">
                 <a:solidFill>
                   <a:srgbClr val="FFFFFF"/>
                 </a:solidFill>
               </a14:hiddenFill>
             </a:ext>
             <a:ext uri="{91240B29-F687-4f45-9708-019B960494DF}">
-              <a14:hiddenLine xmlns="" xmlns:a14="http://schemas.microsoft.com/office/drawing/2010/main" w="9525">
+              <a14:hiddenLine xmlns:a14="http://schemas.microsoft.com/office/drawing/2010/main" xmlns="" w="9525">
                 <a:solidFill>
                   <a:srgbClr val="000000"/>
                 </a:solidFill>
@@ -1002,14 +1002,14 @@
           </a:ln>
           <a:extLst>
             <a:ext uri="{909E8E84-426E-40dd-AFC4-6F175D3DCCD1}">
-              <a14:hiddenFill xmlns="" xmlns:a14="http://schemas.microsoft.com/office/drawing/2010/main">
+              <a14:hiddenFill xmlns:a14="http://schemas.microsoft.com/office/drawing/2010/main" xmlns="">
                 <a:solidFill>
                   <a:srgbClr val="FFFFFF"/>
                 </a:solidFill>
               </a14:hiddenFill>
             </a:ext>
             <a:ext uri="{91240B29-F687-4f45-9708-019B960494DF}">
-              <a14:hiddenLine xmlns="" xmlns:a14="http://schemas.microsoft.com/office/drawing/2010/main" w="9525">
+              <a14:hiddenLine xmlns:a14="http://schemas.microsoft.com/office/drawing/2010/main" xmlns="" w="9525">
                 <a:solidFill>
                   <a:srgbClr val="000000"/>
                 </a:solidFill>
@@ -1190,7 +1190,7 @@
             </a:pPr>
             <a:fld id="{D9706DE5-819E-461D-8E8D-AA05FD17548C}" type="datetime1">
               <a:rPr lang="en-US" smtClean="0"/>
-              <a:t>5/10/24</a:t>
+              <a:t>5/18/24</a:t>
             </a:fld>
             <a:endParaRPr lang="en-US"/>
           </a:p>
@@ -1382,7 +1382,7 @@
             </a:pPr>
             <a:fld id="{09E41B79-9F73-4FA0-ABBD-D37DCB627788}" type="datetime1">
               <a:rPr lang="en-US" smtClean="0"/>
-              <a:t>5/10/24</a:t>
+              <a:t>5/18/24</a:t>
             </a:fld>
             <a:endParaRPr lang="en-US"/>
           </a:p>
@@ -1584,7 +1584,7 @@
             </a:pPr>
             <a:fld id="{36396E4B-D42A-4962-B40E-A21CBB81B127}" type="datetime1">
               <a:rPr lang="en-US" smtClean="0"/>
-              <a:t>5/10/24</a:t>
+              <a:t>5/18/24</a:t>
             </a:fld>
             <a:endParaRPr lang="en-US"/>
           </a:p>
@@ -1786,7 +1786,7 @@
             </a:pPr>
             <a:fld id="{06B13175-F523-49FE-A317-85FDCE9CFDB6}" type="datetime1">
               <a:rPr lang="en-US" smtClean="0"/>
-              <a:t>5/10/24</a:t>
+              <a:t>5/18/24</a:t>
             </a:fld>
             <a:endParaRPr lang="en-US"/>
           </a:p>
@@ -2055,7 +2055,7 @@
             </a:pPr>
             <a:fld id="{C0844E06-D1CE-4E93-9B1D-1A5B3745FAFD}" type="datetime1">
               <a:rPr lang="en-US" smtClean="0"/>
-              <a:t>5/10/24</a:t>
+              <a:t>5/18/24</a:t>
             </a:fld>
             <a:endParaRPr lang="en-US"/>
           </a:p>
@@ -2364,7 +2364,7 @@
             </a:pPr>
             <a:fld id="{46633AB9-4B8E-4C7C-BEFD-CBD831D24B8A}" type="datetime1">
               <a:rPr lang="en-US" smtClean="0"/>
-              <a:t>5/10/24</a:t>
+              <a:t>5/18/24</a:t>
             </a:fld>
             <a:endParaRPr lang="en-US"/>
           </a:p>
@@ -2807,7 +2807,7 @@
             </a:pPr>
             <a:fld id="{0BD524CF-2CA4-4172-98E8-0EBA753AB401}" type="datetime1">
               <a:rPr lang="en-US" smtClean="0"/>
-              <a:t>5/10/24</a:t>
+              <a:t>5/18/24</a:t>
             </a:fld>
             <a:endParaRPr lang="en-US"/>
           </a:p>
@@ -2953,7 +2953,7 @@
             </a:pPr>
             <a:fld id="{E2C89E63-CCC4-438D-AAF3-B116DF9A341E}" type="datetime1">
               <a:rPr lang="en-US" smtClean="0"/>
-              <a:t>5/10/24</a:t>
+              <a:t>5/18/24</a:t>
             </a:fld>
             <a:endParaRPr lang="en-US"/>
           </a:p>
@@ -3072,7 +3072,7 @@
             </a:pPr>
             <a:fld id="{EE7EF516-8DAE-4F05-BE13-6E1BE0055387}" type="datetime1">
               <a:rPr lang="en-US" smtClean="0"/>
-              <a:t>5/10/24</a:t>
+              <a:t>5/18/24</a:t>
             </a:fld>
             <a:endParaRPr lang="en-US"/>
           </a:p>
@@ -3371,7 +3371,7 @@
             </a:pPr>
             <a:fld id="{1336ECF2-7095-417C-97EC-E177CC306E11}" type="datetime1">
               <a:rPr lang="en-US" smtClean="0"/>
-              <a:t>5/10/24</a:t>
+              <a:t>5/18/24</a:t>
             </a:fld>
             <a:endParaRPr lang="en-US"/>
           </a:p>
@@ -3650,7 +3650,7 @@
             </a:pPr>
             <a:fld id="{871BB0FA-C725-4DEC-8E3F-F4EF3305B57B}" type="datetime1">
               <a:rPr lang="en-US" smtClean="0"/>
-              <a:t>5/10/24</a:t>
+              <a:t>5/18/24</a:t>
             </a:fld>
             <a:endParaRPr lang="en-US"/>
           </a:p>
@@ -3777,14 +3777,14 @@
           </a:ln>
           <a:extLst>
             <a:ext uri="{909E8E84-426E-40dd-AFC4-6F175D3DCCD1}">
-              <a14:hiddenFill xmlns="" xmlns:a14="http://schemas.microsoft.com/office/drawing/2010/main">
+              <a14:hiddenFill xmlns:a14="http://schemas.microsoft.com/office/drawing/2010/main" xmlns="">
                 <a:solidFill>
                   <a:srgbClr val="FFFFFF"/>
                 </a:solidFill>
               </a14:hiddenFill>
             </a:ext>
             <a:ext uri="{91240B29-F687-4f45-9708-019B960494DF}">
-              <a14:hiddenLine xmlns="" xmlns:a14="http://schemas.microsoft.com/office/drawing/2010/main" w="9525">
+              <a14:hiddenLine xmlns:a14="http://schemas.microsoft.com/office/drawing/2010/main" xmlns="" w="9525">
                 <a:solidFill>
                   <a:srgbClr val="000000"/>
                 </a:solidFill>
@@ -3835,14 +3835,14 @@
           </a:ln>
           <a:extLst>
             <a:ext uri="{909E8E84-426E-40dd-AFC4-6F175D3DCCD1}">
-              <a14:hiddenFill xmlns="" xmlns:a14="http://schemas.microsoft.com/office/drawing/2010/main">
+              <a14:hiddenFill xmlns:a14="http://schemas.microsoft.com/office/drawing/2010/main" xmlns="">
                 <a:solidFill>
                   <a:srgbClr val="FFFFFF"/>
                 </a:solidFill>
               </a14:hiddenFill>
             </a:ext>
             <a:ext uri="{91240B29-F687-4f45-9708-019B960494DF}">
-              <a14:hiddenLine xmlns="" xmlns:a14="http://schemas.microsoft.com/office/drawing/2010/main" w="9525">
+              <a14:hiddenLine xmlns:a14="http://schemas.microsoft.com/office/drawing/2010/main" xmlns="" w="9525">
                 <a:solidFill>
                   <a:srgbClr val="000000"/>
                 </a:solidFill>
@@ -3943,7 +3943,7 @@
             </a:pPr>
             <a:fld id="{401C591B-A45D-4D79-9504-054EFF7FC438}" type="datetime1">
               <a:rPr lang="en-US" smtClean="0"/>
-              <a:t>5/10/24</a:t>
+              <a:t>5/18/24</a:t>
             </a:fld>
             <a:endParaRPr lang="en-US"/>
           </a:p>
@@ -4087,14 +4087,14 @@
           </a:ln>
           <a:extLst>
             <a:ext uri="{909E8E84-426E-40dd-AFC4-6F175D3DCCD1}">
-              <a14:hiddenFill xmlns="" xmlns:a14="http://schemas.microsoft.com/office/drawing/2010/main">
+              <a14:hiddenFill xmlns:a14="http://schemas.microsoft.com/office/drawing/2010/main" xmlns="">
                 <a:solidFill>
                   <a:srgbClr val="FFFFFF"/>
                 </a:solidFill>
               </a14:hiddenFill>
             </a:ext>
             <a:ext uri="{91240B29-F687-4f45-9708-019B960494DF}">
-              <a14:hiddenLine xmlns="" xmlns:a14="http://schemas.microsoft.com/office/drawing/2010/main" w="9525">
+              <a14:hiddenLine xmlns:a14="http://schemas.microsoft.com/office/drawing/2010/main" xmlns="" w="9525">
                 <a:solidFill>
                   <a:srgbClr val="000000"/>
                 </a:solidFill>
@@ -4701,14 +4701,14 @@
           </a:ln>
           <a:extLst>
             <a:ext uri="{909E8E84-426E-40dd-AFC4-6F175D3DCCD1}">
-              <a14:hiddenFill xmlns="" xmlns:a14="http://schemas.microsoft.com/office/drawing/2010/main">
+              <a14:hiddenFill xmlns:a14="http://schemas.microsoft.com/office/drawing/2010/main" xmlns="">
                 <a:solidFill>
                   <a:srgbClr val="FFFFFF"/>
                 </a:solidFill>
               </a14:hiddenFill>
             </a:ext>
             <a:ext uri="{91240B29-F687-4f45-9708-019B960494DF}">
-              <a14:hiddenLine xmlns="" xmlns:a14="http://schemas.microsoft.com/office/drawing/2010/main" w="9525">
+              <a14:hiddenLine xmlns:a14="http://schemas.microsoft.com/office/drawing/2010/main" xmlns="" w="9525">
                 <a:solidFill>
                   <a:srgbClr val="000000"/>
                 </a:solidFill>
@@ -5661,8 +5661,8 @@
         </p:blipFill>
         <p:spPr>
           <a:xfrm>
-            <a:off x="1524000" y="2317750"/>
-            <a:ext cx="5867400" cy="2222500"/>
+            <a:off x="762001" y="3219740"/>
+            <a:ext cx="3448600" cy="1855495"/>
           </a:xfrm>
           <a:prstGeom prst="rect">
             <a:avLst/>
@@ -5683,7 +5683,7 @@
         </p:nvSpPr>
         <p:spPr>
           <a:xfrm>
-            <a:off x="1704109" y="5638800"/>
+            <a:off x="2067792" y="5624945"/>
             <a:ext cx="990600" cy="533400"/>
           </a:xfrm>
           <a:prstGeom prst="rect">
@@ -5732,7 +5732,7 @@
         </p:nvSpPr>
         <p:spPr>
           <a:xfrm>
-            <a:off x="6057900" y="5562022"/>
+            <a:off x="6057900" y="5638800"/>
             <a:ext cx="1257300" cy="533400"/>
           </a:xfrm>
           <a:prstGeom prst="rect">
@@ -5781,8 +5781,8 @@
         </p:nvSpPr>
         <p:spPr>
           <a:xfrm>
-            <a:off x="1600200" y="2047875"/>
-            <a:ext cx="5715000" cy="336550"/>
+            <a:off x="762001" y="2047875"/>
+            <a:ext cx="6991333" cy="336550"/>
           </a:xfrm>
           <a:prstGeom prst="roundRect">
             <a:avLst/>
@@ -5824,14 +5824,15 @@
             </a:extLst>
           </p:cNvPr>
           <p:cNvCxnSpPr>
+            <a:cxnSpLocks/>
             <a:stCxn id="8" idx="0"/>
           </p:cNvCxnSpPr>
           <p:nvPr/>
         </p:nvCxnSpPr>
         <p:spPr>
           <a:xfrm flipV="1">
-            <a:off x="4457700" y="1600200"/>
-            <a:ext cx="0" cy="447675"/>
+            <a:off x="4257668" y="1678543"/>
+            <a:ext cx="0" cy="369332"/>
           </a:xfrm>
           <a:prstGeom prst="straightConnector1">
             <a:avLst/>
@@ -5869,7 +5870,7 @@
         </p:nvSpPr>
         <p:spPr>
           <a:xfrm>
-            <a:off x="4038600" y="1219200"/>
+            <a:off x="3810000" y="1341993"/>
             <a:ext cx="1066800" cy="369332"/>
           </a:xfrm>
           <a:prstGeom prst="rect">
@@ -5886,114 +5887,6 @@
             <a:r>
               <a:rPr lang="en-US" dirty="0"/>
               <a:t>Answer</a:t>
-            </a:r>
-          </a:p>
-        </p:txBody>
-      </p:sp>
-      <p:sp>
-        <p:nvSpPr>
-          <p:cNvPr id="15" name="Rounded Rectangle 14">
-            <a:extLst>
-              <a:ext uri="{FF2B5EF4-FFF2-40B4-BE49-F238E27FC236}">
-                <a16:creationId xmlns:a16="http://schemas.microsoft.com/office/drawing/2014/main" id="{832F94DA-16CB-2187-B524-D2C57DA7D492}"/>
-              </a:ext>
-            </a:extLst>
-          </p:cNvPr>
-          <p:cNvSpPr/>
-          <p:nvPr/>
-        </p:nvSpPr>
-        <p:spPr>
-          <a:xfrm>
-            <a:off x="1600200" y="5156777"/>
-            <a:ext cx="1198418" cy="228600"/>
-          </a:xfrm>
-          <a:prstGeom prst="roundRect">
-            <a:avLst/>
-          </a:prstGeom>
-          <a:ln>
-            <a:solidFill>
-              <a:schemeClr val="bg1">
-                <a:lumMod val="85000"/>
-              </a:schemeClr>
-            </a:solidFill>
-          </a:ln>
-        </p:spPr>
-        <p:style>
-          <a:lnRef idx="2">
-            <a:schemeClr val="accent1"/>
-          </a:lnRef>
-          <a:fillRef idx="1">
-            <a:schemeClr val="lt1"/>
-          </a:fillRef>
-          <a:effectRef idx="0">
-            <a:schemeClr val="accent1"/>
-          </a:effectRef>
-          <a:fontRef idx="minor">
-            <a:schemeClr val="dk1"/>
-          </a:fontRef>
-        </p:style>
-        <p:txBody>
-          <a:bodyPr rtlCol="0" anchor="ctr"/>
-          <a:lstStyle/>
-          <a:p>
-            <a:pPr algn="ctr"/>
-            <a:r>
-              <a:rPr lang="en-US" sz="1000" dirty="0"/>
-              <a:t>Patch embedding</a:t>
-            </a:r>
-          </a:p>
-        </p:txBody>
-      </p:sp>
-      <p:sp>
-        <p:nvSpPr>
-          <p:cNvPr id="16" name="Rounded Rectangle 15">
-            <a:extLst>
-              <a:ext uri="{FF2B5EF4-FFF2-40B4-BE49-F238E27FC236}">
-                <a16:creationId xmlns:a16="http://schemas.microsoft.com/office/drawing/2014/main" id="{AD149BF9-86F1-F5D5-BD5B-100921AADB8E}"/>
-              </a:ext>
-            </a:extLst>
-          </p:cNvPr>
-          <p:cNvSpPr/>
-          <p:nvPr/>
-        </p:nvSpPr>
-        <p:spPr>
-          <a:xfrm>
-            <a:off x="6087341" y="5156777"/>
-            <a:ext cx="1198418" cy="228600"/>
-          </a:xfrm>
-          <a:prstGeom prst="roundRect">
-            <a:avLst/>
-          </a:prstGeom>
-          <a:ln>
-            <a:solidFill>
-              <a:schemeClr val="bg1">
-                <a:lumMod val="85000"/>
-              </a:schemeClr>
-            </a:solidFill>
-          </a:ln>
-        </p:spPr>
-        <p:style>
-          <a:lnRef idx="2">
-            <a:schemeClr val="accent1"/>
-          </a:lnRef>
-          <a:fillRef idx="1">
-            <a:schemeClr val="lt1"/>
-          </a:fillRef>
-          <a:effectRef idx="0">
-            <a:schemeClr val="accent1"/>
-          </a:effectRef>
-          <a:fontRef idx="minor">
-            <a:schemeClr val="dk1"/>
-          </a:fontRef>
-        </p:style>
-        <p:txBody>
-          <a:bodyPr rtlCol="0" anchor="ctr"/>
-          <a:lstStyle/>
-          <a:p>
-            <a:pPr algn="ctr"/>
-            <a:r>
-              <a:rPr lang="en-US" sz="1000" dirty="0"/>
-              <a:t>word embedding</a:t>
             </a:r>
           </a:p>
         </p:txBody>
@@ -6008,15 +5901,15 @@
             </a:extLst>
           </p:cNvPr>
           <p:cNvCxnSpPr>
+            <a:cxnSpLocks/>
             <a:stCxn id="6" idx="0"/>
-            <a:endCxn id="15" idx="2"/>
           </p:cNvCxnSpPr>
           <p:nvPr/>
         </p:nvCxnSpPr>
         <p:spPr>
           <a:xfrm flipV="1">
-            <a:off x="2199409" y="5385377"/>
-            <a:ext cx="0" cy="253423"/>
+            <a:off x="2563092" y="4953000"/>
+            <a:ext cx="0" cy="671945"/>
           </a:xfrm>
           <a:prstGeom prst="straightConnector1">
             <a:avLst/>
@@ -6050,192 +5943,14 @@
             </a:extLst>
           </p:cNvPr>
           <p:cNvCxnSpPr>
-            <a:stCxn id="7" idx="0"/>
-            <a:endCxn id="16" idx="2"/>
+            <a:cxnSpLocks/>
           </p:cNvCxnSpPr>
           <p:nvPr/>
         </p:nvCxnSpPr>
         <p:spPr>
           <a:xfrm flipV="1">
-            <a:off x="6686550" y="5385377"/>
-            <a:ext cx="0" cy="176645"/>
-          </a:xfrm>
-          <a:prstGeom prst="straightConnector1">
-            <a:avLst/>
-          </a:prstGeom>
-          <a:ln>
-            <a:tailEnd type="triangle"/>
-          </a:ln>
-        </p:spPr>
-        <p:style>
-          <a:lnRef idx="2">
-            <a:schemeClr val="dk1"/>
-          </a:lnRef>
-          <a:fillRef idx="0">
-            <a:schemeClr val="dk1"/>
-          </a:fillRef>
-          <a:effectRef idx="1">
-            <a:schemeClr val="dk1"/>
-          </a:effectRef>
-          <a:fontRef idx="minor">
-            <a:schemeClr val="tx1"/>
-          </a:fontRef>
-        </p:style>
-      </p:cxnSp>
-      <p:cxnSp>
-        <p:nvCxnSpPr>
-          <p:cNvPr id="22" name="Straight Arrow Connector 21">
-            <a:extLst>
-              <a:ext uri="{FF2B5EF4-FFF2-40B4-BE49-F238E27FC236}">
-                <a16:creationId xmlns:a16="http://schemas.microsoft.com/office/drawing/2014/main" id="{CCA427A3-2052-616D-0AC8-A894BDF23EAA}"/>
-              </a:ext>
-            </a:extLst>
-          </p:cNvPr>
-          <p:cNvCxnSpPr>
-            <a:cxnSpLocks/>
-            <a:stCxn id="15" idx="0"/>
-          </p:cNvCxnSpPr>
-          <p:nvPr/>
-        </p:nvCxnSpPr>
-        <p:spPr>
-          <a:xfrm flipV="1">
-            <a:off x="2199409" y="5019674"/>
-            <a:ext cx="0" cy="137103"/>
-          </a:xfrm>
-          <a:prstGeom prst="straightConnector1">
-            <a:avLst/>
-          </a:prstGeom>
-          <a:ln>
-            <a:tailEnd type="triangle"/>
-          </a:ln>
-        </p:spPr>
-        <p:style>
-          <a:lnRef idx="2">
-            <a:schemeClr val="dk1"/>
-          </a:lnRef>
-          <a:fillRef idx="0">
-            <a:schemeClr val="dk1"/>
-          </a:fillRef>
-          <a:effectRef idx="1">
-            <a:schemeClr val="dk1"/>
-          </a:effectRef>
-          <a:fontRef idx="minor">
-            <a:schemeClr val="tx1"/>
-          </a:fontRef>
-        </p:style>
-      </p:cxnSp>
-      <p:cxnSp>
-        <p:nvCxnSpPr>
-          <p:cNvPr id="24" name="Straight Arrow Connector 23">
-            <a:extLst>
-              <a:ext uri="{FF2B5EF4-FFF2-40B4-BE49-F238E27FC236}">
-                <a16:creationId xmlns:a16="http://schemas.microsoft.com/office/drawing/2014/main" id="{8BC09EA3-F50C-07DF-CDC9-6C5B16B5E38E}"/>
-              </a:ext>
-            </a:extLst>
-          </p:cNvPr>
-          <p:cNvCxnSpPr>
-            <a:cxnSpLocks/>
-            <a:stCxn id="16" idx="0"/>
-          </p:cNvCxnSpPr>
-          <p:nvPr/>
-        </p:nvCxnSpPr>
-        <p:spPr>
-          <a:xfrm flipV="1">
-            <a:off x="6686550" y="5019674"/>
-            <a:ext cx="0" cy="137103"/>
-          </a:xfrm>
-          <a:prstGeom prst="straightConnector1">
-            <a:avLst/>
-          </a:prstGeom>
-          <a:ln>
-            <a:tailEnd type="triangle"/>
-          </a:ln>
-        </p:spPr>
-        <p:style>
-          <a:lnRef idx="2">
-            <a:schemeClr val="dk1"/>
-          </a:lnRef>
-          <a:fillRef idx="0">
-            <a:schemeClr val="dk1"/>
-          </a:fillRef>
-          <a:effectRef idx="1">
-            <a:schemeClr val="dk1"/>
-          </a:effectRef>
-          <a:fontRef idx="minor">
-            <a:schemeClr val="tx1"/>
-          </a:fontRef>
-        </p:style>
-      </p:cxnSp>
-      <p:sp>
-        <p:nvSpPr>
-          <p:cNvPr id="27" name="Rounded Rectangle 26">
-            <a:extLst>
-              <a:ext uri="{FF2B5EF4-FFF2-40B4-BE49-F238E27FC236}">
-                <a16:creationId xmlns:a16="http://schemas.microsoft.com/office/drawing/2014/main" id="{C9E23980-E78C-68F7-5589-B3B51488D8B6}"/>
-              </a:ext>
-            </a:extLst>
-          </p:cNvPr>
-          <p:cNvSpPr/>
-          <p:nvPr/>
-        </p:nvSpPr>
-        <p:spPr>
-          <a:xfrm>
-            <a:off x="1627909" y="4800600"/>
-            <a:ext cx="5687291" cy="205653"/>
-          </a:xfrm>
-          <a:prstGeom prst="roundRect">
-            <a:avLst/>
-          </a:prstGeom>
-          <a:ln>
-            <a:solidFill>
-              <a:schemeClr val="bg1">
-                <a:lumMod val="65000"/>
-              </a:schemeClr>
-            </a:solidFill>
-          </a:ln>
-        </p:spPr>
-        <p:style>
-          <a:lnRef idx="2">
-            <a:schemeClr val="accent6"/>
-          </a:lnRef>
-          <a:fillRef idx="1">
-            <a:schemeClr val="lt1"/>
-          </a:fillRef>
-          <a:effectRef idx="0">
-            <a:schemeClr val="accent6"/>
-          </a:effectRef>
-          <a:fontRef idx="minor">
-            <a:schemeClr val="dk1"/>
-          </a:fontRef>
-        </p:style>
-        <p:txBody>
-          <a:bodyPr rtlCol="0" anchor="ctr"/>
-          <a:lstStyle/>
-          <a:p>
-            <a:pPr algn="ctr"/>
-            <a:r>
-              <a:rPr lang="en-US" sz="1200" dirty="0"/>
-              <a:t>Positional Encoding</a:t>
-            </a:r>
-          </a:p>
-        </p:txBody>
-      </p:sp>
-      <p:cxnSp>
-        <p:nvCxnSpPr>
-          <p:cNvPr id="29" name="Straight Arrow Connector 28">
-            <a:extLst>
-              <a:ext uri="{FF2B5EF4-FFF2-40B4-BE49-F238E27FC236}">
-                <a16:creationId xmlns:a16="http://schemas.microsoft.com/office/drawing/2014/main" id="{3A921ADB-5DF1-0083-56C8-936683CF0E0F}"/>
-              </a:ext>
-            </a:extLst>
-          </p:cNvPr>
-          <p:cNvCxnSpPr/>
-          <p:nvPr/>
-        </p:nvCxnSpPr>
-        <p:spPr>
-          <a:xfrm flipV="1">
-            <a:off x="2199409" y="4540250"/>
-            <a:ext cx="0" cy="260350"/>
+            <a:off x="6686550" y="4953000"/>
+            <a:ext cx="0" cy="563417"/>
           </a:xfrm>
           <a:prstGeom prst="straightConnector1">
             <a:avLst/>
@@ -6292,6 +6007,226 @@
           </a:fillRef>
           <a:effectRef idx="1">
             <a:schemeClr val="dk1"/>
+          </a:effectRef>
+          <a:fontRef idx="minor">
+            <a:schemeClr val="tx1"/>
+          </a:fontRef>
+        </p:style>
+      </p:cxnSp>
+      <p:sp>
+        <p:nvSpPr>
+          <p:cNvPr id="11" name="Rounded Rectangle 10">
+            <a:extLst>
+              <a:ext uri="{FF2B5EF4-FFF2-40B4-BE49-F238E27FC236}">
+                <a16:creationId xmlns:a16="http://schemas.microsoft.com/office/drawing/2014/main" id="{564595BE-F2B6-867D-367A-E4234718581E}"/>
+              </a:ext>
+            </a:extLst>
+          </p:cNvPr>
+          <p:cNvSpPr/>
+          <p:nvPr/>
+        </p:nvSpPr>
+        <p:spPr>
+          <a:xfrm>
+            <a:off x="5619766" y="3303111"/>
+            <a:ext cx="2133568" cy="1649890"/>
+          </a:xfrm>
+          <a:prstGeom prst="roundRect">
+            <a:avLst/>
+          </a:prstGeom>
+        </p:spPr>
+        <p:style>
+          <a:lnRef idx="2">
+            <a:schemeClr val="accent6"/>
+          </a:lnRef>
+          <a:fillRef idx="1">
+            <a:schemeClr val="lt1"/>
+          </a:fillRef>
+          <a:effectRef idx="0">
+            <a:schemeClr val="accent6"/>
+          </a:effectRef>
+          <a:fontRef idx="minor">
+            <a:schemeClr val="dk1"/>
+          </a:fontRef>
+        </p:style>
+        <p:txBody>
+          <a:bodyPr rtlCol="0" anchor="ctr"/>
+          <a:lstStyle/>
+          <a:p>
+            <a:pPr algn="ctr"/>
+            <a:r>
+              <a:rPr lang="en-US" dirty="0" err="1"/>
+              <a:t>RoBERTa</a:t>
+            </a:r>
+            <a:endParaRPr lang="en-US" dirty="0"/>
+          </a:p>
+        </p:txBody>
+      </p:sp>
+      <p:sp>
+        <p:nvSpPr>
+          <p:cNvPr id="21" name="Rounded Rectangle 20">
+            <a:extLst>
+              <a:ext uri="{FF2B5EF4-FFF2-40B4-BE49-F238E27FC236}">
+                <a16:creationId xmlns:a16="http://schemas.microsoft.com/office/drawing/2014/main" id="{DCDC6E3D-CB07-7EA8-7168-E489B8F640B9}"/>
+              </a:ext>
+            </a:extLst>
+          </p:cNvPr>
+          <p:cNvSpPr/>
+          <p:nvPr/>
+        </p:nvSpPr>
+        <p:spPr>
+          <a:xfrm>
+            <a:off x="762001" y="2675493"/>
+            <a:ext cx="6991333" cy="336550"/>
+          </a:xfrm>
+          <a:prstGeom prst="roundRect">
+            <a:avLst/>
+          </a:prstGeom>
+        </p:spPr>
+        <p:style>
+          <a:lnRef idx="2">
+            <a:schemeClr val="accent1"/>
+          </a:lnRef>
+          <a:fillRef idx="1">
+            <a:schemeClr val="lt1"/>
+          </a:fillRef>
+          <a:effectRef idx="0">
+            <a:schemeClr val="accent1"/>
+          </a:effectRef>
+          <a:fontRef idx="minor">
+            <a:schemeClr val="dk1"/>
+          </a:fontRef>
+        </p:style>
+        <p:txBody>
+          <a:bodyPr rtlCol="0" anchor="ctr"/>
+          <a:lstStyle/>
+          <a:p>
+            <a:pPr algn="ctr"/>
+            <a:r>
+              <a:rPr lang="en-US" dirty="0"/>
+              <a:t>Fusion layer</a:t>
+            </a:r>
+          </a:p>
+        </p:txBody>
+      </p:sp>
+      <p:cxnSp>
+        <p:nvCxnSpPr>
+          <p:cNvPr id="30" name="Straight Arrow Connector 29">
+            <a:extLst>
+              <a:ext uri="{FF2B5EF4-FFF2-40B4-BE49-F238E27FC236}">
+                <a16:creationId xmlns:a16="http://schemas.microsoft.com/office/drawing/2014/main" id="{C75A14FD-2CDB-1334-F5C1-8689F425E662}"/>
+              </a:ext>
+            </a:extLst>
+          </p:cNvPr>
+          <p:cNvCxnSpPr>
+            <a:cxnSpLocks/>
+            <a:endCxn id="8" idx="2"/>
+          </p:cNvCxnSpPr>
+          <p:nvPr/>
+        </p:nvCxnSpPr>
+        <p:spPr>
+          <a:xfrm flipH="1" flipV="1">
+            <a:off x="4257668" y="2384425"/>
+            <a:ext cx="4322" cy="291068"/>
+          </a:xfrm>
+          <a:prstGeom prst="straightConnector1">
+            <a:avLst/>
+          </a:prstGeom>
+          <a:ln>
+            <a:tailEnd type="triangle"/>
+          </a:ln>
+        </p:spPr>
+        <p:style>
+          <a:lnRef idx="2">
+            <a:schemeClr val="accent1"/>
+          </a:lnRef>
+          <a:fillRef idx="0">
+            <a:schemeClr val="accent1"/>
+          </a:fillRef>
+          <a:effectRef idx="1">
+            <a:schemeClr val="accent1"/>
+          </a:effectRef>
+          <a:fontRef idx="minor">
+            <a:schemeClr val="tx1"/>
+          </a:fontRef>
+        </p:style>
+      </p:cxnSp>
+      <p:cxnSp>
+        <p:nvCxnSpPr>
+          <p:cNvPr id="33" name="Straight Arrow Connector 32">
+            <a:extLst>
+              <a:ext uri="{FF2B5EF4-FFF2-40B4-BE49-F238E27FC236}">
+                <a16:creationId xmlns:a16="http://schemas.microsoft.com/office/drawing/2014/main" id="{EAB31774-5D65-0E7E-4CE0-5B844F936E27}"/>
+              </a:ext>
+            </a:extLst>
+          </p:cNvPr>
+          <p:cNvCxnSpPr>
+            <a:cxnSpLocks/>
+          </p:cNvCxnSpPr>
+          <p:nvPr/>
+        </p:nvCxnSpPr>
+        <p:spPr>
+          <a:xfrm flipV="1">
+            <a:off x="2486301" y="3012043"/>
+            <a:ext cx="0" cy="291068"/>
+          </a:xfrm>
+          <a:prstGeom prst="straightConnector1">
+            <a:avLst/>
+          </a:prstGeom>
+          <a:ln>
+            <a:tailEnd type="triangle"/>
+          </a:ln>
+        </p:spPr>
+        <p:style>
+          <a:lnRef idx="2">
+            <a:schemeClr val="accent1"/>
+          </a:lnRef>
+          <a:fillRef idx="0">
+            <a:schemeClr val="accent1"/>
+          </a:fillRef>
+          <a:effectRef idx="1">
+            <a:schemeClr val="accent1"/>
+          </a:effectRef>
+          <a:fontRef idx="minor">
+            <a:schemeClr val="tx1"/>
+          </a:fontRef>
+        </p:style>
+      </p:cxnSp>
+      <p:cxnSp>
+        <p:nvCxnSpPr>
+          <p:cNvPr id="34" name="Straight Arrow Connector 33">
+            <a:extLst>
+              <a:ext uri="{FF2B5EF4-FFF2-40B4-BE49-F238E27FC236}">
+                <a16:creationId xmlns:a16="http://schemas.microsoft.com/office/drawing/2014/main" id="{822FA149-D20B-B09C-7C1D-729CB69CDC7A}"/>
+              </a:ext>
+            </a:extLst>
+          </p:cNvPr>
+          <p:cNvCxnSpPr>
+            <a:cxnSpLocks/>
+            <a:stCxn id="11" idx="0"/>
+          </p:cNvCxnSpPr>
+          <p:nvPr/>
+        </p:nvCxnSpPr>
+        <p:spPr>
+          <a:xfrm flipH="1" flipV="1">
+            <a:off x="6686549" y="3012043"/>
+            <a:ext cx="1" cy="291068"/>
+          </a:xfrm>
+          <a:prstGeom prst="straightConnector1">
+            <a:avLst/>
+          </a:prstGeom>
+          <a:ln>
+            <a:tailEnd type="triangle"/>
+          </a:ln>
+        </p:spPr>
+        <p:style>
+          <a:lnRef idx="2">
+            <a:schemeClr val="accent1"/>
+          </a:lnRef>
+          <a:fillRef idx="0">
+            <a:schemeClr val="accent1"/>
+          </a:fillRef>
+          <a:effectRef idx="1">
+            <a:schemeClr val="accent1"/>
           </a:effectRef>
           <a:fontRef idx="minor">
             <a:schemeClr val="tx1"/>
